--- a/Software Engineering ISA II DevOps - S19-412^0S19-205.pptx
+++ b/Software Engineering ISA II DevOps - S19-412^0S19-205.pptx
@@ -110,6 +110,11 @@
       </a:defRPr>
     </a:lvl9pPr>
   </p:defaultTextStyle>
+  <p:extLst>
+    <p:ext uri="{EFAFB233-063F-42B5-8137-9DF3F51BA10A}">
+      <p15:sldGuideLst xmlns:p15="http://schemas.microsoft.com/office/powerpoint/2012/main"/>
+    </p:ext>
+  </p:extLst>
 </p:presentation>
 </file>
 
@@ -3364,7 +3369,12 @@
             <p:ph type="ctrTitle"/>
           </p:nvPr>
         </p:nvSpPr>
-        <p:spPr/>
+        <p:spPr>
+          <a:xfrm>
+            <a:off x="1524000" y="2235200"/>
+            <a:ext cx="9144000" cy="2387600"/>
+          </a:xfrm>
+        </p:spPr>
         <p:txBody>
           <a:bodyPr/>
           <a:lstStyle/>
@@ -3399,12 +3409,51 @@
             <p:ph type="subTitle" idx="1"/>
           </p:nvPr>
         </p:nvSpPr>
-        <p:spPr/>
-        <p:txBody>
-          <a:bodyPr/>
-          <a:lstStyle/>
-          <a:p>
-            <a:endParaRPr lang="en-IN"/>
+        <p:spPr>
+          <a:xfrm>
+            <a:off x="10105293" y="5693899"/>
+            <a:ext cx="2086707" cy="1164101"/>
+          </a:xfrm>
+        </p:spPr>
+        <p:txBody>
+          <a:bodyPr>
+            <a:normAutofit fontScale="92500"/>
+          </a:bodyPr>
+          <a:lstStyle/>
+          <a:p>
+            <a:r>
+              <a:rPr lang="en-US" dirty="0">
+                <a:latin typeface="Times New Roman" panose="02020603050405020304" pitchFamily="18" charset="0"/>
+                <a:cs typeface="Times New Roman" panose="02020603050405020304" pitchFamily="18" charset="0"/>
+              </a:rPr>
+              <a:t>Roll Number(s):</a:t>
+            </a:r>
+          </a:p>
+          <a:p>
+            <a:r>
+              <a:rPr lang="en-US" dirty="0">
+                <a:latin typeface="Times New Roman" panose="02020603050405020304" pitchFamily="18" charset="0"/>
+                <a:cs typeface="Times New Roman" panose="02020603050405020304" pitchFamily="18" charset="0"/>
+              </a:rPr>
+              <a:t>S19-412</a:t>
+            </a:r>
+            <a:br>
+              <a:rPr lang="en-US" dirty="0">
+                <a:latin typeface="Times New Roman" panose="02020603050405020304" pitchFamily="18" charset="0"/>
+                <a:cs typeface="Times New Roman" panose="02020603050405020304" pitchFamily="18" charset="0"/>
+              </a:rPr>
+            </a:br>
+            <a:r>
+              <a:rPr lang="en-US" dirty="0">
+                <a:latin typeface="Times New Roman" panose="02020603050405020304" pitchFamily="18" charset="0"/>
+                <a:cs typeface="Times New Roman" panose="02020603050405020304" pitchFamily="18" charset="0"/>
+              </a:rPr>
+              <a:t>S19-205</a:t>
+            </a:r>
+            <a:endParaRPr lang="en-IN" dirty="0">
+              <a:latin typeface="Times New Roman" panose="02020603050405020304" pitchFamily="18" charset="0"/>
+              <a:cs typeface="Times New Roman" panose="02020603050405020304" pitchFamily="18" charset="0"/>
+            </a:endParaRPr>
           </a:p>
         </p:txBody>
       </p:sp>
@@ -3418,6 +3467,18 @@
   <p:clrMapOvr>
     <a:masterClrMapping/>
   </p:clrMapOvr>
+  <mc:AlternateContent xmlns:mc="http://schemas.openxmlformats.org/markup-compatibility/2006" xmlns:p14="http://schemas.microsoft.com/office/powerpoint/2010/main">
+    <mc:Choice Requires="p14">
+      <p:transition spd="med" p14:dur="700">
+        <p:fade/>
+      </p:transition>
+    </mc:Choice>
+    <mc:Fallback xmlns="">
+      <p:transition spd="med">
+        <p:fade/>
+      </p:transition>
+    </mc:Fallback>
+  </mc:AlternateContent>
 </p:sld>
 </file>
 
@@ -3491,7 +3552,7 @@
         </p:nvSpPr>
         <p:spPr>
           <a:xfrm>
-            <a:off x="838200" y="5244074"/>
+            <a:off x="838200" y="5215938"/>
             <a:ext cx="10515600" cy="4351338"/>
           </a:xfrm>
         </p:spPr>
@@ -3505,7 +3566,55 @@
                 <a:latin typeface="Times New Roman" panose="02020603050405020304" pitchFamily="18" charset="0"/>
                 <a:cs typeface="Times New Roman" panose="02020603050405020304" pitchFamily="18" charset="0"/>
               </a:rPr>
-              <a:t>The word DevOps is a combination of the terms development and operations, meant to represent a collaborative or shared approach to the tasks performed by a company's application development and IT operations teams.</a:t>
+              <a:t>The word </a:t>
+            </a:r>
+            <a:r>
+              <a:rPr lang="en-US" b="0" i="1" dirty="0">
+                <a:effectLst/>
+                <a:latin typeface="Times New Roman" panose="02020603050405020304" pitchFamily="18" charset="0"/>
+                <a:cs typeface="Times New Roman" panose="02020603050405020304" pitchFamily="18" charset="0"/>
+              </a:rPr>
+              <a:t>DevOps</a:t>
+            </a:r>
+            <a:r>
+              <a:rPr lang="en-US" b="0" i="0" dirty="0">
+                <a:effectLst/>
+                <a:latin typeface="Times New Roman" panose="02020603050405020304" pitchFamily="18" charset="0"/>
+                <a:cs typeface="Times New Roman" panose="02020603050405020304" pitchFamily="18" charset="0"/>
+              </a:rPr>
+              <a:t> is a combination of the terms </a:t>
+            </a:r>
+            <a:r>
+              <a:rPr lang="en-US" b="0" i="1" dirty="0">
+                <a:effectLst/>
+                <a:latin typeface="Times New Roman" panose="02020603050405020304" pitchFamily="18" charset="0"/>
+                <a:cs typeface="Times New Roman" panose="02020603050405020304" pitchFamily="18" charset="0"/>
+              </a:rPr>
+              <a:t>development</a:t>
+            </a:r>
+            <a:r>
+              <a:rPr lang="en-US" b="0" i="0" dirty="0">
+                <a:effectLst/>
+                <a:latin typeface="Times New Roman" panose="02020603050405020304" pitchFamily="18" charset="0"/>
+                <a:cs typeface="Times New Roman" panose="02020603050405020304" pitchFamily="18" charset="0"/>
+              </a:rPr>
+              <a:t> and </a:t>
+            </a:r>
+            <a:r>
+              <a:rPr lang="en-US" b="0" i="1" dirty="0">
+                <a:effectLst/>
+                <a:latin typeface="Times New Roman" panose="02020603050405020304" pitchFamily="18" charset="0"/>
+                <a:cs typeface="Times New Roman" panose="02020603050405020304" pitchFamily="18" charset="0"/>
+              </a:rPr>
+              <a:t>operations</a:t>
+            </a:r>
+            <a:r>
+              <a:rPr lang="en-US" b="0" i="0" dirty="0">
+                <a:effectLst/>
+                <a:latin typeface="Times New Roman" panose="02020603050405020304" pitchFamily="18" charset="0"/>
+                <a:cs typeface="Times New Roman" panose="02020603050405020304" pitchFamily="18" charset="0"/>
+              </a:rPr>
+              <a:t>, meant to represent a collaborative or shared approach to the tasks performed by a company's application development and IT operations teams.</a:t>
             </a:r>
             <a:endParaRPr lang="en-IN" dirty="0">
               <a:latin typeface="Times New Roman" panose="02020603050405020304" pitchFamily="18" charset="0"/>
@@ -3545,7 +3654,7 @@
         </p:blipFill>
         <p:spPr>
           <a:xfrm>
-            <a:off x="4182794" y="1592212"/>
+            <a:off x="4182794" y="1493738"/>
             <a:ext cx="3826412" cy="3632102"/>
           </a:xfrm>
           <a:prstGeom prst="rect">
@@ -3563,6 +3672,18 @@
   <p:clrMapOvr>
     <a:masterClrMapping/>
   </p:clrMapOvr>
+  <mc:AlternateContent xmlns:mc="http://schemas.openxmlformats.org/markup-compatibility/2006" xmlns:p14="http://schemas.microsoft.com/office/powerpoint/2010/main">
+    <mc:Choice Requires="p14">
+      <p:transition spd="med" p14:dur="700">
+        <p:fade/>
+      </p:transition>
+    </mc:Choice>
+    <mc:Fallback xmlns="">
+      <p:transition spd="med">
+        <p:fade/>
+      </p:transition>
+    </mc:Fallback>
+  </mc:AlternateContent>
 </p:sld>
 </file>
 
@@ -3585,31 +3706,6 @@
       </p:grpSpPr>
       <p:sp>
         <p:nvSpPr>
-          <p:cNvPr id="2" name="Title 1">
-            <a:extLst>
-              <a:ext uri="{FF2B5EF4-FFF2-40B4-BE49-F238E27FC236}">
-                <a16:creationId xmlns:a16="http://schemas.microsoft.com/office/drawing/2014/main" id="{51912FC4-C7BF-45BB-AC89-F0C00E5E5316}"/>
-              </a:ext>
-            </a:extLst>
-          </p:cNvPr>
-          <p:cNvSpPr>
-            <a:spLocks noGrp="1"/>
-          </p:cNvSpPr>
-          <p:nvPr>
-            <p:ph type="title"/>
-          </p:nvPr>
-        </p:nvSpPr>
-        <p:spPr/>
-        <p:txBody>
-          <a:bodyPr/>
-          <a:lstStyle/>
-          <a:p>
-            <a:endParaRPr lang="en-IN"/>
-          </a:p>
-        </p:txBody>
-      </p:sp>
-      <p:sp>
-        <p:nvSpPr>
           <p:cNvPr id="3" name="Content Placeholder 2">
             <a:extLst>
               <a:ext uri="{FF2B5EF4-FFF2-40B4-BE49-F238E27FC236}">
@@ -3624,7 +3720,12 @@
             <p:ph idx="1"/>
           </p:nvPr>
         </p:nvSpPr>
-        <p:spPr/>
+        <p:spPr>
+          <a:xfrm>
+            <a:off x="838200" y="1253331"/>
+            <a:ext cx="10515600" cy="4351338"/>
+          </a:xfrm>
+        </p:spPr>
         <p:txBody>
           <a:bodyPr/>
           <a:lstStyle/>
@@ -3671,6 +3772,18 @@
   <p:clrMapOvr>
     <a:masterClrMapping/>
   </p:clrMapOvr>
+  <mc:AlternateContent xmlns:mc="http://schemas.openxmlformats.org/markup-compatibility/2006" xmlns:p14="http://schemas.microsoft.com/office/powerpoint/2010/main">
+    <mc:Choice Requires="p14">
+      <p:transition spd="med" p14:dur="700">
+        <p:fade/>
+      </p:transition>
+    </mc:Choice>
+    <mc:Fallback xmlns="">
+      <p:transition spd="med">
+        <p:fade/>
+      </p:transition>
+    </mc:Fallback>
+  </mc:AlternateContent>
 </p:sld>
 </file>
 
@@ -3707,7 +3820,12 @@
             <p:ph type="title"/>
           </p:nvPr>
         </p:nvSpPr>
-        <p:spPr/>
+        <p:spPr>
+          <a:xfrm>
+            <a:off x="838200" y="421395"/>
+            <a:ext cx="10515600" cy="1325563"/>
+          </a:xfrm>
+        </p:spPr>
         <p:txBody>
           <a:bodyPr>
             <a:normAutofit fontScale="90000"/>
@@ -3746,7 +3864,7 @@
         </p:nvSpPr>
         <p:spPr>
           <a:xfrm>
-            <a:off x="838200" y="2346129"/>
+            <a:off x="838200" y="2085267"/>
             <a:ext cx="10515600" cy="4351338"/>
           </a:xfrm>
         </p:spPr>
@@ -3891,6 +4009,18 @@
   <p:clrMapOvr>
     <a:masterClrMapping/>
   </p:clrMapOvr>
+  <mc:AlternateContent xmlns:mc="http://schemas.openxmlformats.org/markup-compatibility/2006" xmlns:p14="http://schemas.microsoft.com/office/powerpoint/2010/main">
+    <mc:Choice Requires="p14">
+      <p:transition spd="med" p14:dur="700">
+        <p:fade/>
+      </p:transition>
+    </mc:Choice>
+    <mc:Fallback xmlns="">
+      <p:transition spd="med">
+        <p:fade/>
+      </p:transition>
+    </mc:Fallback>
+  </mc:AlternateContent>
 </p:sld>
 </file>
 
@@ -3975,8 +4105,8 @@
         </p:blipFill>
         <p:spPr>
           <a:xfrm>
-            <a:off x="4257089" y="1450719"/>
-            <a:ext cx="3676650" cy="1781175"/>
+            <a:off x="3649357" y="1782446"/>
+            <a:ext cx="4893286" cy="2370582"/>
           </a:xfrm>
         </p:spPr>
       </p:pic>
@@ -3994,7 +4124,7 @@
         </p:nvSpPr>
         <p:spPr>
           <a:xfrm>
-            <a:off x="839372" y="4104249"/>
+            <a:off x="839372" y="4317488"/>
             <a:ext cx="10514428" cy="1815882"/>
           </a:xfrm>
           <a:prstGeom prst="rect">
@@ -4042,6 +4172,18 @@
   <p:clrMapOvr>
     <a:masterClrMapping/>
   </p:clrMapOvr>
+  <mc:AlternateContent xmlns:mc="http://schemas.openxmlformats.org/markup-compatibility/2006" xmlns:p14="http://schemas.microsoft.com/office/powerpoint/2010/main">
+    <mc:Choice Requires="p14">
+      <p:transition spd="med" p14:dur="700">
+        <p:fade/>
+      </p:transition>
+    </mc:Choice>
+    <mc:Fallback xmlns="">
+      <p:transition spd="med">
+        <p:fade/>
+      </p:transition>
+    </mc:Fallback>
+  </mc:AlternateContent>
 </p:sld>
 </file>
 
@@ -4064,31 +4206,6 @@
       </p:grpSpPr>
       <p:sp>
         <p:nvSpPr>
-          <p:cNvPr id="2" name="Title 1">
-            <a:extLst>
-              <a:ext uri="{FF2B5EF4-FFF2-40B4-BE49-F238E27FC236}">
-                <a16:creationId xmlns:a16="http://schemas.microsoft.com/office/drawing/2014/main" id="{F64FE2C2-2525-444C-A929-EBFD9822D830}"/>
-              </a:ext>
-            </a:extLst>
-          </p:cNvPr>
-          <p:cNvSpPr>
-            <a:spLocks noGrp="1"/>
-          </p:cNvSpPr>
-          <p:nvPr>
-            <p:ph type="title"/>
-          </p:nvPr>
-        </p:nvSpPr>
-        <p:spPr/>
-        <p:txBody>
-          <a:bodyPr/>
-          <a:lstStyle/>
-          <a:p>
-            <a:endParaRPr lang="en-IN"/>
-          </a:p>
-        </p:txBody>
-      </p:sp>
-      <p:sp>
-        <p:nvSpPr>
           <p:cNvPr id="3" name="Content Placeholder 2">
             <a:extLst>
               <a:ext uri="{FF2B5EF4-FFF2-40B4-BE49-F238E27FC236}">
@@ -4103,7 +4220,12 @@
             <p:ph idx="1"/>
           </p:nvPr>
         </p:nvSpPr>
-        <p:spPr/>
+        <p:spPr>
+          <a:xfrm>
+            <a:off x="838200" y="1253331"/>
+            <a:ext cx="10515600" cy="4351338"/>
+          </a:xfrm>
+        </p:spPr>
         <p:txBody>
           <a:bodyPr/>
           <a:lstStyle/>
@@ -4168,6 +4290,18 @@
   <p:clrMapOvr>
     <a:masterClrMapping/>
   </p:clrMapOvr>
+  <mc:AlternateContent xmlns:mc="http://schemas.openxmlformats.org/markup-compatibility/2006" xmlns:p14="http://schemas.microsoft.com/office/powerpoint/2010/main">
+    <mc:Choice Requires="p14">
+      <p:transition spd="med" p14:dur="700">
+        <p:fade/>
+      </p:transition>
+    </mc:Choice>
+    <mc:Fallback xmlns="">
+      <p:transition spd="med">
+        <p:fade/>
+      </p:transition>
+    </mc:Fallback>
+  </mc:AlternateContent>
 </p:sld>
 </file>
 
@@ -4190,31 +4324,6 @@
       </p:grpSpPr>
       <p:sp>
         <p:nvSpPr>
-          <p:cNvPr id="2" name="Title 1">
-            <a:extLst>
-              <a:ext uri="{FF2B5EF4-FFF2-40B4-BE49-F238E27FC236}">
-                <a16:creationId xmlns:a16="http://schemas.microsoft.com/office/drawing/2014/main" id="{C8351D47-4CBB-46A3-956E-5FFDD4DFD9E0}"/>
-              </a:ext>
-            </a:extLst>
-          </p:cNvPr>
-          <p:cNvSpPr>
-            <a:spLocks noGrp="1"/>
-          </p:cNvSpPr>
-          <p:nvPr>
-            <p:ph type="title"/>
-          </p:nvPr>
-        </p:nvSpPr>
-        <p:spPr/>
-        <p:txBody>
-          <a:bodyPr/>
-          <a:lstStyle/>
-          <a:p>
-            <a:endParaRPr lang="en-IN"/>
-          </a:p>
-        </p:txBody>
-      </p:sp>
-      <p:sp>
-        <p:nvSpPr>
           <p:cNvPr id="3" name="Content Placeholder 2">
             <a:extLst>
               <a:ext uri="{FF2B5EF4-FFF2-40B4-BE49-F238E27FC236}">
@@ -4229,7 +4338,12 @@
             <p:ph idx="1"/>
           </p:nvPr>
         </p:nvSpPr>
-        <p:spPr/>
+        <p:spPr>
+          <a:xfrm>
+            <a:off x="838200" y="1253331"/>
+            <a:ext cx="10515600" cy="4351338"/>
+          </a:xfrm>
+        </p:spPr>
         <p:txBody>
           <a:bodyPr/>
           <a:lstStyle/>
@@ -4285,6 +4399,18 @@
   <p:clrMapOvr>
     <a:masterClrMapping/>
   </p:clrMapOvr>
+  <mc:AlternateContent xmlns:mc="http://schemas.openxmlformats.org/markup-compatibility/2006" xmlns:p14="http://schemas.microsoft.com/office/powerpoint/2010/main">
+    <mc:Choice Requires="p14">
+      <p:transition spd="med" p14:dur="700">
+        <p:fade/>
+      </p:transition>
+    </mc:Choice>
+    <mc:Fallback xmlns="">
+      <p:transition spd="med">
+        <p:fade/>
+      </p:transition>
+    </mc:Fallback>
+  </mc:AlternateContent>
 </p:sld>
 </file>
 

--- a/Software Engineering ISA II DevOps - S19-412^0S19-205.pptx
+++ b/Software Engineering ISA II DevOps - S19-412^0S19-205.pptx
@@ -3942,7 +3942,21 @@
                 <a:latin typeface="Times New Roman" panose="02020603050405020304" pitchFamily="18" charset="0"/>
                 <a:cs typeface="Times New Roman" panose="02020603050405020304" pitchFamily="18" charset="0"/>
               </a:rPr>
-              <a:t>incident management systems, configuration management and collaboration platforms;</a:t>
+              <a:t>incident management systems, configuration management </a:t>
+            </a:r>
+            <a:r>
+              <a:rPr lang="en-US" dirty="0">
+                <a:latin typeface="Times New Roman" panose="02020603050405020304" pitchFamily="18" charset="0"/>
+                <a:cs typeface="Times New Roman" panose="02020603050405020304" pitchFamily="18" charset="0"/>
+              </a:rPr>
+              <a:t>and</a:t>
+            </a:r>
+            <a:r>
+              <a:rPr lang="en-US" i="1" dirty="0">
+                <a:latin typeface="Times New Roman" panose="02020603050405020304" pitchFamily="18" charset="0"/>
+                <a:cs typeface="Times New Roman" panose="02020603050405020304" pitchFamily="18" charset="0"/>
+              </a:rPr>
+              <a:t> collaboration platforms;</a:t>
             </a:r>
             <a:endParaRPr lang="en-US" dirty="0">
               <a:latin typeface="Times New Roman" panose="02020603050405020304" pitchFamily="18" charset="0"/>
@@ -4371,7 +4385,21 @@
                 <a:latin typeface="Times New Roman" panose="02020603050405020304" pitchFamily="18" charset="0"/>
                 <a:cs typeface="Times New Roman" panose="02020603050405020304" pitchFamily="18" charset="0"/>
               </a:rPr>
-              <a:t>Teams rely on configuration management for consistent deployment and hosting environments. </a:t>
+              <a:t>Teams rely on </a:t>
+            </a:r>
+            <a:r>
+              <a:rPr lang="en-US" i="1" dirty="0">
+                <a:latin typeface="Times New Roman" panose="02020603050405020304" pitchFamily="18" charset="0"/>
+                <a:cs typeface="Times New Roman" panose="02020603050405020304" pitchFamily="18" charset="0"/>
+              </a:rPr>
+              <a:t>configuration management</a:t>
+            </a:r>
+            <a:r>
+              <a:rPr lang="en-US" dirty="0">
+                <a:latin typeface="Times New Roman" panose="02020603050405020304" pitchFamily="18" charset="0"/>
+                <a:cs typeface="Times New Roman" panose="02020603050405020304" pitchFamily="18" charset="0"/>
+              </a:rPr>
+              <a:t> for consistent deployment and hosting environments. </a:t>
             </a:r>
           </a:p>
           <a:p>

--- a/Software Engineering ISA II DevOps - S19-412^0S19-205.pptx
+++ b/Software Engineering ISA II DevOps - S19-412^0S19-205.pptx
@@ -3371,7 +3371,7 @@
         </p:nvSpPr>
         <p:spPr>
           <a:xfrm>
-            <a:off x="1524000" y="2235200"/>
+            <a:off x="1524000" y="0"/>
             <a:ext cx="9144000" cy="2387600"/>
           </a:xfrm>
         </p:spPr>
@@ -3457,6 +3457,53 @@
           </a:p>
         </p:txBody>
       </p:sp>
+      <p:pic>
+        <p:nvPicPr>
+          <p:cNvPr id="4" name="Picture 2" descr="If someone ask you what DevOps is, show him this pic! » Easy as Linux">
+            <a:extLst>
+              <a:ext uri="{FF2B5EF4-FFF2-40B4-BE49-F238E27FC236}">
+                <a16:creationId xmlns:a16="http://schemas.microsoft.com/office/drawing/2014/main" id="{2EE6AF6A-39F0-49EE-9C16-7C20D3AEA8A1}"/>
+              </a:ext>
+            </a:extLst>
+          </p:cNvPr>
+          <p:cNvPicPr>
+            <a:picLocks noChangeAspect="1" noChangeArrowheads="1"/>
+          </p:cNvPicPr>
+          <p:nvPr/>
+        </p:nvPicPr>
+        <p:blipFill>
+          <a:blip r:embed="rId2">
+            <a:extLst>
+              <a:ext uri="{28A0092B-C50C-407E-A947-70E740481C1C}">
+                <a14:useLocalDpi xmlns:a14="http://schemas.microsoft.com/office/drawing/2010/main" val="0"/>
+              </a:ext>
+            </a:extLst>
+          </a:blip>
+          <a:srcRect/>
+          <a:stretch>
+            <a:fillRect/>
+          </a:stretch>
+        </p:blipFill>
+        <p:spPr bwMode="auto">
+          <a:xfrm>
+            <a:off x="3699669" y="2387600"/>
+            <a:ext cx="4783150" cy="4210148"/>
+          </a:xfrm>
+          <a:prstGeom prst="rect">
+            <a:avLst/>
+          </a:prstGeom>
+          <a:noFill/>
+          <a:extLst>
+            <a:ext uri="{909E8E84-426E-40DD-AFC4-6F175D3DCCD1}">
+              <a14:hiddenFill xmlns:a14="http://schemas.microsoft.com/office/drawing/2010/main">
+                <a:solidFill>
+                  <a:srgbClr val="FFFFFF"/>
+                </a:solidFill>
+              </a14:hiddenFill>
+            </a:ext>
+          </a:extLst>
+        </p:spPr>
+      </p:pic>
     </p:spTree>
     <p:extLst>
       <p:ext uri="{BB962C8B-B14F-4D97-AF65-F5344CB8AC3E}">
@@ -3722,8 +3769,8 @@
         </p:nvSpPr>
         <p:spPr>
           <a:xfrm>
-            <a:off x="838200" y="1253331"/>
-            <a:ext cx="10515600" cy="4351338"/>
+            <a:off x="838200" y="338930"/>
+            <a:ext cx="10515600" cy="2671555"/>
           </a:xfrm>
         </p:spPr>
         <p:txBody>
@@ -3744,24 +3791,58 @@
                 <a:latin typeface="Times New Roman" panose="02020603050405020304" pitchFamily="18" charset="0"/>
                 <a:cs typeface="Times New Roman" panose="02020603050405020304" pitchFamily="18" charset="0"/>
               </a:rPr>
-              <a:t>The term also covers culture changes, such as building trust and cohesion between developers and systems administrators and aligning technological projects to business requirements. </a:t>
-            </a:r>
-          </a:p>
-          <a:p>
-            <a:r>
-              <a:rPr lang="en-US" dirty="0">
-                <a:latin typeface="Times New Roman" panose="02020603050405020304" pitchFamily="18" charset="0"/>
-                <a:cs typeface="Times New Roman" panose="02020603050405020304" pitchFamily="18" charset="0"/>
-              </a:rPr>
-              <a:t>DevOps can change the software delivery chain, services, job roles, IT tools and best practices.</a:t>
-            </a:r>
-            <a:endParaRPr lang="en-IN" dirty="0">
-              <a:latin typeface="Times New Roman" panose="02020603050405020304" pitchFamily="18" charset="0"/>
-              <a:cs typeface="Times New Roman" panose="02020603050405020304" pitchFamily="18" charset="0"/>
-            </a:endParaRPr>
-          </a:p>
-        </p:txBody>
-      </p:sp>
+              <a:t>The term also covers culture changes, such as building trust and cohesion between developers and systems administrators and aligning technological projects to business requirements.</a:t>
+            </a:r>
+          </a:p>
+        </p:txBody>
+      </p:sp>
+      <p:pic>
+        <p:nvPicPr>
+          <p:cNvPr id="1028" name="Picture 4">
+            <a:extLst>
+              <a:ext uri="{FF2B5EF4-FFF2-40B4-BE49-F238E27FC236}">
+                <a16:creationId xmlns:a16="http://schemas.microsoft.com/office/drawing/2014/main" id="{EC15C5DC-C648-4A57-85FE-F98BB5FC6481}"/>
+              </a:ext>
+            </a:extLst>
+          </p:cNvPr>
+          <p:cNvPicPr>
+            <a:picLocks noChangeAspect="1" noChangeArrowheads="1"/>
+          </p:cNvPicPr>
+          <p:nvPr/>
+        </p:nvPicPr>
+        <p:blipFill>
+          <a:blip r:embed="rId2">
+            <a:extLst>
+              <a:ext uri="{28A0092B-C50C-407E-A947-70E740481C1C}">
+                <a14:useLocalDpi xmlns:a14="http://schemas.microsoft.com/office/drawing/2010/main" val="0"/>
+              </a:ext>
+            </a:extLst>
+          </a:blip>
+          <a:srcRect/>
+          <a:stretch>
+            <a:fillRect/>
+          </a:stretch>
+        </p:blipFill>
+        <p:spPr bwMode="auto">
+          <a:xfrm>
+            <a:off x="3311370" y="3010485"/>
+            <a:ext cx="4331301" cy="3722213"/>
+          </a:xfrm>
+          <a:prstGeom prst="rect">
+            <a:avLst/>
+          </a:prstGeom>
+          <a:noFill/>
+          <a:extLst>
+            <a:ext uri="{909E8E84-426E-40DD-AFC4-6F175D3DCCD1}">
+              <a14:hiddenFill xmlns:a14="http://schemas.microsoft.com/office/drawing/2010/main">
+                <a:solidFill>
+                  <a:srgbClr val="FFFFFF"/>
+                </a:solidFill>
+              </a14:hiddenFill>
+            </a:ext>
+          </a:extLst>
+        </p:spPr>
+      </p:pic>
     </p:spTree>
     <p:extLst>
       <p:ext uri="{BB962C8B-B14F-4D97-AF65-F5344CB8AC3E}">
@@ -3822,7 +3903,7 @@
         </p:nvSpPr>
         <p:spPr>
           <a:xfrm>
-            <a:off x="838200" y="421395"/>
+            <a:off x="838200" y="407327"/>
             <a:ext cx="10515600" cy="1325563"/>
           </a:xfrm>
         </p:spPr>
@@ -4237,7 +4318,7 @@
         <p:spPr>
           <a:xfrm>
             <a:off x="838200" y="1253331"/>
-            <a:ext cx="10515600" cy="4351338"/>
+            <a:ext cx="10515600" cy="2587149"/>
           </a:xfrm>
         </p:spPr>
         <p:txBody>
@@ -4266,34 +4347,58 @@
                 <a:latin typeface="Times New Roman" panose="02020603050405020304" pitchFamily="18" charset="0"/>
                 <a:cs typeface="Times New Roman" panose="02020603050405020304" pitchFamily="18" charset="0"/>
               </a:rPr>
-              <a:t>To avoid wait times, IT teams use CI/CD pipelines and other automation to move code from one step of development and deployment to another. </a:t>
-            </a:r>
-          </a:p>
-          <a:p>
-            <a:pPr marL="285750" indent="-285750">
-              <a:buFont typeface="Arial" panose="020B0604020202020204" pitchFamily="34" charset="0"/>
-              <a:buChar char="•"/>
-            </a:pPr>
-            <a:r>
-              <a:rPr lang="en-US" sz="2800" dirty="0">
-                <a:latin typeface="Times New Roman" panose="02020603050405020304" pitchFamily="18" charset="0"/>
-                <a:cs typeface="Times New Roman" panose="02020603050405020304" pitchFamily="18" charset="0"/>
-              </a:rPr>
-              <a:t>Teams review changes immediately and can enforce policies to ensure releases meet standards.</a:t>
-            </a:r>
-            <a:endParaRPr lang="en-IN" sz="2800" dirty="0">
-              <a:latin typeface="Times New Roman" panose="02020603050405020304" pitchFamily="18" charset="0"/>
-              <a:cs typeface="Times New Roman" panose="02020603050405020304" pitchFamily="18" charset="0"/>
-            </a:endParaRPr>
-          </a:p>
-          <a:p>
-            <a:pPr marL="0" indent="0">
-              <a:buNone/>
-            </a:pPr>
-            <a:endParaRPr lang="en-IN" dirty="0"/>
-          </a:p>
-        </p:txBody>
-      </p:sp>
+              <a:t>To avoid wait times, IT teams use CI/CD pipelines and other automation to move code from one step of development and deployment to another.</a:t>
+            </a:r>
+          </a:p>
+        </p:txBody>
+      </p:sp>
+      <p:pic>
+        <p:nvPicPr>
+          <p:cNvPr id="5122" name="Picture 2" descr="Сomics meme: &amp;quot;DevOps&amp;quot; - Comics - Meme-arsenal.com">
+            <a:extLst>
+              <a:ext uri="{FF2B5EF4-FFF2-40B4-BE49-F238E27FC236}">
+                <a16:creationId xmlns:a16="http://schemas.microsoft.com/office/drawing/2014/main" id="{11B7DDF8-25E9-4B57-893B-9F1A866059B3}"/>
+              </a:ext>
+            </a:extLst>
+          </p:cNvPr>
+          <p:cNvPicPr>
+            <a:picLocks noChangeAspect="1" noChangeArrowheads="1"/>
+          </p:cNvPicPr>
+          <p:nvPr/>
+        </p:nvPicPr>
+        <p:blipFill>
+          <a:blip r:embed="rId2">
+            <a:extLst>
+              <a:ext uri="{28A0092B-C50C-407E-A947-70E740481C1C}">
+                <a14:useLocalDpi xmlns:a14="http://schemas.microsoft.com/office/drawing/2010/main" val="0"/>
+              </a:ext>
+            </a:extLst>
+          </a:blip>
+          <a:srcRect/>
+          <a:stretch>
+            <a:fillRect/>
+          </a:stretch>
+        </p:blipFill>
+        <p:spPr bwMode="auto">
+          <a:xfrm>
+            <a:off x="3826411" y="3830331"/>
+            <a:ext cx="4043387" cy="2915125"/>
+          </a:xfrm>
+          <a:prstGeom prst="rect">
+            <a:avLst/>
+          </a:prstGeom>
+          <a:noFill/>
+          <a:extLst>
+            <a:ext uri="{909E8E84-426E-40DD-AFC4-6F175D3DCCD1}">
+              <a14:hiddenFill xmlns:a14="http://schemas.microsoft.com/office/drawing/2010/main">
+                <a:solidFill>
+                  <a:srgbClr val="FFFFFF"/>
+                </a:solidFill>
+              </a14:hiddenFill>
+            </a:ext>
+          </a:extLst>
+        </p:spPr>
+      </p:pic>
     </p:spTree>
     <p:extLst>
       <p:ext uri="{BB962C8B-B14F-4D97-AF65-F5344CB8AC3E}">
@@ -4367,7 +4472,7 @@
                 <a:latin typeface="Times New Roman" panose="02020603050405020304" pitchFamily="18" charset="0"/>
                 <a:cs typeface="Times New Roman" panose="02020603050405020304" pitchFamily="18" charset="0"/>
               </a:rPr>
-              <a:t>To deploy good code to production, DevOps adherents use containers or other methods to make the software behave the same way from development through testing and into production. </a:t>
+              <a:t>DevOps adherents use containers or other methods to make the software behave the same way from development through testing and into production. </a:t>
             </a:r>
           </a:p>
           <a:p>

--- a/Software Engineering ISA II DevOps - S19-412^0S19-205.pptx
+++ b/Software Engineering ISA II DevOps - S19-412^0S19-205.pptx
@@ -3843,6 +3843,45 @@
           </a:extLst>
         </p:spPr>
       </p:pic>
+      <p:sp>
+        <p:nvSpPr>
+          <p:cNvPr id="6" name="TextBox 5">
+            <a:extLst>
+              <a:ext uri="{FF2B5EF4-FFF2-40B4-BE49-F238E27FC236}">
+                <a16:creationId xmlns:a16="http://schemas.microsoft.com/office/drawing/2014/main" id="{B7ED5968-FDCF-4BB7-871F-751FB151225E}"/>
+              </a:ext>
+            </a:extLst>
+          </p:cNvPr>
+          <p:cNvSpPr txBox="1"/>
+          <p:nvPr/>
+        </p:nvSpPr>
+        <p:spPr>
+          <a:xfrm>
+            <a:off x="5955320" y="3203911"/>
+            <a:ext cx="6025660" cy="646331"/>
+          </a:xfrm>
+          <a:prstGeom prst="rect">
+            <a:avLst/>
+          </a:prstGeom>
+          <a:noFill/>
+        </p:spPr>
+        <p:txBody>
+          <a:bodyPr wrap="square">
+            <a:spAutoFit/>
+          </a:bodyPr>
+          <a:lstStyle/>
+          <a:p>
+            <a:r>
+              <a:rPr lang="en-US" sz="3600" dirty="0">
+                <a:latin typeface="Times New Roman" panose="02020603050405020304" pitchFamily="18" charset="0"/>
+                <a:cs typeface="Times New Roman" panose="02020603050405020304" pitchFamily="18" charset="0"/>
+              </a:rPr>
+              <a:t>1</a:t>
+            </a:r>
+            <a:endParaRPr lang="en-IN" sz="3600" dirty="0"/>
+          </a:p>
+        </p:txBody>
+      </p:sp>
     </p:spTree>
     <p:extLst>
       <p:ext uri="{BB962C8B-B14F-4D97-AF65-F5344CB8AC3E}">
@@ -4459,22 +4498,15 @@
         </p:nvSpPr>
         <p:spPr>
           <a:xfrm>
-            <a:off x="838200" y="1253331"/>
-            <a:ext cx="10515600" cy="4351338"/>
+            <a:off x="838200" y="498951"/>
+            <a:ext cx="10515600" cy="2598579"/>
           </a:xfrm>
         </p:spPr>
         <p:txBody>
-          <a:bodyPr/>
-          <a:lstStyle/>
-          <a:p>
-            <a:r>
-              <a:rPr lang="en-US" dirty="0">
-                <a:latin typeface="Times New Roman" panose="02020603050405020304" pitchFamily="18" charset="0"/>
-                <a:cs typeface="Times New Roman" panose="02020603050405020304" pitchFamily="18" charset="0"/>
-              </a:rPr>
-              <a:t>DevOps adherents use containers or other methods to make the software behave the same way from development through testing and into production. </a:t>
-            </a:r>
-          </a:p>
+          <a:bodyPr>
+            <a:normAutofit lnSpcReduction="10000"/>
+          </a:bodyPr>
+          <a:lstStyle/>
           <a:p>
             <a:r>
               <a:rPr lang="en-US" dirty="0">
@@ -4522,6 +4554,53 @@
           </a:p>
         </p:txBody>
       </p:sp>
+      <p:pic>
+        <p:nvPicPr>
+          <p:cNvPr id="6146" name="Picture 2" descr="Evolution of DevOps">
+            <a:extLst>
+              <a:ext uri="{FF2B5EF4-FFF2-40B4-BE49-F238E27FC236}">
+                <a16:creationId xmlns:a16="http://schemas.microsoft.com/office/drawing/2014/main" id="{F9137320-4CEB-4519-9DBD-AFA4B1B17E55}"/>
+              </a:ext>
+            </a:extLst>
+          </p:cNvPr>
+          <p:cNvPicPr>
+            <a:picLocks noChangeAspect="1" noChangeArrowheads="1"/>
+          </p:cNvPicPr>
+          <p:nvPr/>
+        </p:nvPicPr>
+        <p:blipFill>
+          <a:blip r:embed="rId2">
+            <a:extLst>
+              <a:ext uri="{28A0092B-C50C-407E-A947-70E740481C1C}">
+                <a14:useLocalDpi xmlns:a14="http://schemas.microsoft.com/office/drawing/2010/main" val="0"/>
+              </a:ext>
+            </a:extLst>
+          </a:blip>
+          <a:srcRect/>
+          <a:stretch>
+            <a:fillRect/>
+          </a:stretch>
+        </p:blipFill>
+        <p:spPr bwMode="auto">
+          <a:xfrm>
+            <a:off x="0" y="2788920"/>
+            <a:ext cx="12358471" cy="4549140"/>
+          </a:xfrm>
+          <a:prstGeom prst="rect">
+            <a:avLst/>
+          </a:prstGeom>
+          <a:noFill/>
+          <a:extLst>
+            <a:ext uri="{909E8E84-426E-40DD-AFC4-6F175D3DCCD1}">
+              <a14:hiddenFill xmlns:a14="http://schemas.microsoft.com/office/drawing/2010/main">
+                <a:solidFill>
+                  <a:srgbClr val="FFFFFF"/>
+                </a:solidFill>
+              </a14:hiddenFill>
+            </a:ext>
+          </a:extLst>
+        </p:spPr>
+      </p:pic>
     </p:spTree>
     <p:extLst>
       <p:ext uri="{BB962C8B-B14F-4D97-AF65-F5344CB8AC3E}">
